--- a/Appendix/ML_Kit.pptx
+++ b/Appendix/ML_Kit.pptx
@@ -285,7 +285,7 @@
           <a:p>
             <a:fld id="{16EFA3C3-E8D6-4416-88B4-678BA54D754C}" type="datetimeFigureOut">
               <a:rPr lang="zh-CN" altLang="en-US" smtClean="0"/>
-              <a:t>2022/4/25</a:t>
+              <a:t>2022/5/2</a:t>
             </a:fld>
             <a:endParaRPr lang="zh-CN" altLang="en-US"/>
           </a:p>
@@ -450,7 +450,7 @@
           <a:p>
             <a:fld id="{8ECC2C2C-A586-9740-B231-E9D27B5EB144}" type="datetimeFigureOut">
               <a:rPr lang="en-US" smtClean="0"/>
-              <a:t>4/25/22</a:t>
+              <a:t>5/2/22</a:t>
             </a:fld>
             <a:endParaRPr lang="en-US"/>
           </a:p>
@@ -2459,7 +2459,7 @@
             <a:fld id="{B61BEF0D-F0BB-DE4B-95CE-6DB70DBA9567}" type="datetimeFigureOut">
               <a:rPr lang="en-US" smtClean="0"/>
               <a:pPr/>
-              <a:t>4/25/22</a:t>
+              <a:t>5/2/22</a:t>
             </a:fld>
             <a:endParaRPr lang="en-US" dirty="0"/>
           </a:p>
@@ -2713,7 +2713,7 @@
             <a:fld id="{B61BEF0D-F0BB-DE4B-95CE-6DB70DBA9567}" type="datetimeFigureOut">
               <a:rPr lang="en-US" smtClean="0"/>
               <a:pPr/>
-              <a:t>4/25/22</a:t>
+              <a:t>5/2/22</a:t>
             </a:fld>
             <a:endParaRPr lang="en-US" dirty="0"/>
           </a:p>
@@ -3057,7 +3057,7 @@
             <a:fld id="{B61BEF0D-F0BB-DE4B-95CE-6DB70DBA9567}" type="datetimeFigureOut">
               <a:rPr lang="en-US" smtClean="0"/>
               <a:pPr/>
-              <a:t>4/25/22</a:t>
+              <a:t>5/2/22</a:t>
             </a:fld>
             <a:endParaRPr lang="en-US" dirty="0"/>
           </a:p>
@@ -3495,7 +3495,7 @@
             <a:fld id="{B61BEF0D-F0BB-DE4B-95CE-6DB70DBA9567}" type="datetimeFigureOut">
               <a:rPr lang="en-US" smtClean="0"/>
               <a:pPr/>
-              <a:t>4/25/22</a:t>
+              <a:t>5/2/22</a:t>
             </a:fld>
             <a:endParaRPr lang="en-US" dirty="0"/>
           </a:p>
@@ -4051,7 +4051,7 @@
             <a:fld id="{B61BEF0D-F0BB-DE4B-95CE-6DB70DBA9567}" type="datetimeFigureOut">
               <a:rPr lang="en-US" smtClean="0"/>
               <a:pPr/>
-              <a:t>4/25/22</a:t>
+              <a:t>5/2/22</a:t>
             </a:fld>
             <a:endParaRPr lang="en-US" dirty="0"/>
           </a:p>
@@ -4307,7 +4307,7 @@
             <a:fld id="{B61BEF0D-F0BB-DE4B-95CE-6DB70DBA9567}" type="datetimeFigureOut">
               <a:rPr lang="en-US" smtClean="0"/>
               <a:pPr/>
-              <a:t>4/25/22</a:t>
+              <a:t>5/2/22</a:t>
             </a:fld>
             <a:endParaRPr lang="en-US" dirty="0"/>
           </a:p>
@@ -4681,7 +4681,7 @@
             <a:fld id="{B61BEF0D-F0BB-DE4B-95CE-6DB70DBA9567}" type="datetimeFigureOut">
               <a:rPr lang="en-US" smtClean="0"/>
               <a:pPr/>
-              <a:t>4/25/22</a:t>
+              <a:t>5/2/22</a:t>
             </a:fld>
             <a:endParaRPr lang="en-US" dirty="0"/>
           </a:p>
@@ -5073,7 +5073,7 @@
             <a:fld id="{D728701E-CAF4-4159-9B3E-41C86DFFA30D}" type="datetimeFigureOut">
               <a:rPr lang="en-US" smtClean="0"/>
               <a:pPr/>
-              <a:t>4/25/22</a:t>
+              <a:t>5/2/22</a:t>
             </a:fld>
             <a:endParaRPr lang="en-US" dirty="0"/>
           </a:p>
@@ -5327,7 +5327,7 @@
             <a:fld id="{D728701E-CAF4-4159-9B3E-41C86DFFA30D}" type="datetimeFigureOut">
               <a:rPr lang="en-US" smtClean="0"/>
               <a:pPr/>
-              <a:t>4/25/22</a:t>
+              <a:t>5/2/22</a:t>
             </a:fld>
             <a:endParaRPr lang="en-US" dirty="0"/>
           </a:p>
@@ -5669,7 +5669,7 @@
             <a:fld id="{D728701E-CAF4-4159-9B3E-41C86DFFA30D}" type="datetimeFigureOut">
               <a:rPr lang="en-US" smtClean="0"/>
               <a:pPr/>
-              <a:t>4/25/22</a:t>
+              <a:t>5/2/22</a:t>
             </a:fld>
             <a:endParaRPr lang="en-US" dirty="0"/>
           </a:p>
@@ -6103,7 +6103,7 @@
             <a:fld id="{D728701E-CAF4-4159-9B3E-41C86DFFA30D}" type="datetimeFigureOut">
               <a:rPr lang="en-US" smtClean="0"/>
               <a:pPr/>
-              <a:t>4/25/22</a:t>
+              <a:t>5/2/22</a:t>
             </a:fld>
             <a:endParaRPr lang="en-US" dirty="0"/>
           </a:p>
@@ -6660,7 +6660,7 @@
             <a:fld id="{D728701E-CAF4-4159-9B3E-41C86DFFA30D}" type="datetimeFigureOut">
               <a:rPr lang="en-US" smtClean="0"/>
               <a:pPr algn="l"/>
-              <a:t>4/25/22</a:t>
+              <a:t>5/2/22</a:t>
             </a:fld>
             <a:endParaRPr lang="en-US"/>
           </a:p>
@@ -6917,7 +6917,7 @@
             <a:fld id="{D728701E-CAF4-4159-9B3E-41C86DFFA30D}" type="datetimeFigureOut">
               <a:rPr lang="en-US" smtClean="0"/>
               <a:pPr/>
-              <a:t>4/25/22</a:t>
+              <a:t>5/2/22</a:t>
             </a:fld>
             <a:endParaRPr lang="en-US" dirty="0"/>
           </a:p>
@@ -7472,7 +7472,7 @@
             <a:fld id="{D728701E-CAF4-4159-9B3E-41C86DFFA30D}" type="datetimeFigureOut">
               <a:rPr lang="en-US" smtClean="0"/>
               <a:pPr/>
-              <a:t>4/25/22</a:t>
+              <a:t>5/2/22</a:t>
             </a:fld>
             <a:endParaRPr lang="en-US"/>
           </a:p>
@@ -8146,7 +8146,7 @@
             <a:fld id="{B61BEF0D-F0BB-DE4B-95CE-6DB70DBA9567}" type="datetimeFigureOut">
               <a:rPr lang="en-US" smtClean="0"/>
               <a:pPr/>
-              <a:t>4/25/22</a:t>
+              <a:t>5/2/22</a:t>
             </a:fld>
             <a:endParaRPr lang="en-US" dirty="0"/>
           </a:p>
@@ -10529,7 +10529,7 @@
         <p:spPr>
           <a:xfrm>
             <a:off x="2266196" y="5142311"/>
-            <a:ext cx="4971233" cy="338554"/>
+            <a:ext cx="5565947" cy="369332"/>
           </a:xfrm>
           <a:prstGeom prst="rect">
             <a:avLst/>
@@ -10542,9 +10542,12 @@
           <a:lstStyle/>
           <a:p>
             <a:r>
-              <a:rPr lang="zh-CN" altLang="en-US" dirty="0"/>
+              <a:rPr lang="zh-CN" altLang="en-US" sz="1800" dirty="0">
+                <a:hlinkClick r:id="rId3"/>
+              </a:rPr>
               <a:t>https://developers.google.com/ml-kit/case-studies</a:t>
             </a:r>
+            <a:endParaRPr lang="zh-CN" altLang="en-US" sz="1800" dirty="0"/>
           </a:p>
         </p:txBody>
       </p:sp>
@@ -10630,50 +10633,36 @@
           <a:lstStyle/>
           <a:p>
             <a:r>
-              <a:rPr lang="en" altLang="zh-CN" dirty="0"/>
-              <a:t>We launched the beta of </a:t>
-            </a:r>
-            <a:r>
               <a:rPr lang="en" altLang="zh-CN" dirty="0">
                 <a:hlinkClick r:id="rId2"/>
               </a:rPr>
-              <a:t>Text Recognition v2</a:t>
+              <a:t>Google I/O</a:t>
             </a:r>
             <a:r>
               <a:rPr lang="en" altLang="zh-CN" dirty="0"/>
-              <a:t>, which adds support for Chinese, Devanagari, Japanese and Korean scripts and greatly increases range of </a:t>
+              <a:t> 2021 presented </a:t>
             </a:r>
             <a:r>
               <a:rPr lang="en" altLang="zh-CN" dirty="0">
                 <a:hlinkClick r:id="rId3"/>
               </a:rPr>
-              <a:t>supported languages</a:t>
+              <a:t>ML Kit: Turnkey APIs to use on-device ML in mobile apps</a:t>
             </a:r>
             <a:r>
               <a:rPr lang="en" altLang="zh-CN" dirty="0"/>
-              <a:t>.</a:t>
-            </a:r>
-          </a:p>
-          <a:p>
-            <a:r>
-              <a:rPr lang="en" altLang="zh-CN" dirty="0"/>
-              <a:t>At Google I/O 2021 we presented </a:t>
-            </a:r>
+              <a:t> (12 minutes) .</a:t>
+            </a:r>
+          </a:p>
+          <a:p>
             <a:r>
               <a:rPr lang="en" altLang="zh-CN" dirty="0">
                 <a:hlinkClick r:id="rId4"/>
               </a:rPr>
-              <a:t>ML Kit: Turnkey APIs to use on-device ML in mobile apps</a:t>
+              <a:t>Google Developers</a:t>
             </a:r>
             <a:r>
               <a:rPr lang="en" altLang="zh-CN" dirty="0"/>
-              <a:t> (12 minutes) .</a:t>
-            </a:r>
-          </a:p>
-          <a:p>
-            <a:r>
-              <a:rPr lang="en" altLang="zh-CN" dirty="0"/>
-              <a:t>We also launched a new </a:t>
+              <a:t> launched a new </a:t>
             </a:r>
             <a:r>
               <a:rPr lang="en" altLang="zh-CN" dirty="0">
@@ -13040,21 +13029,6 @@
 </file>
 
 <file path=customXml/item1.xml><?xml version="1.0" encoding="utf-8"?>
-<?mso-contentType ?>
-<FormTemplates xmlns="http://schemas.microsoft.com/sharepoint/v3/contenttype/forms">
-  <Display>DocumentLibraryForm</Display>
-  <Edit>DocumentLibraryForm</Edit>
-  <New>DocumentLibraryForm</New>
-</FormTemplates>
-</file>
-
-<file path=customXml/item2.xml><?xml version="1.0" encoding="utf-8"?>
-<p:properties xmlns:p="http://schemas.microsoft.com/office/2006/metadata/properties" xmlns:xsi="http://www.w3.org/2001/XMLSchema-instance" xmlns:pc="http://schemas.microsoft.com/office/infopath/2007/PartnerControls">
-  <documentManagement/>
-</p:properties>
-</file>
-
-<file path=customXml/item3.xml><?xml version="1.0" encoding="utf-8"?>
 <ct:contentTypeSchema xmlns:ct="http://schemas.microsoft.com/office/2006/metadata/contentType" xmlns:ma="http://schemas.microsoft.com/office/2006/metadata/properties/metaAttributes" ct:_="" ma:_="" ma:contentTypeName="Document" ma:contentTypeID="0x01010032007F32B4F84B44ACC6DD97D428A504" ma:contentTypeVersion="3" ma:contentTypeDescription="Create a new document." ma:contentTypeScope="" ma:versionID="df1701c683e45b7de10b6f7e2a0548c7">
   <xsd:schema xmlns:xsd="http://www.w3.org/2001/XMLSchema" xmlns:xs="http://www.w3.org/2001/XMLSchema" xmlns:p="http://schemas.microsoft.com/office/2006/metadata/properties" xmlns:ns2="eef61076-61bb-4ba8-9539-3229e0848d9e" targetNamespace="http://schemas.microsoft.com/office/2006/metadata/properties" ma:root="true" ma:fieldsID="cbbdbb27ac8dac2b6f3c91648c2172b0" ns2:_="">
     <xsd:import namespace="eef61076-61bb-4ba8-9539-3229e0848d9e"/>
@@ -13208,10 +13182,35 @@
 </ct:contentTypeSchema>
 </file>
 
+<file path=customXml/item2.xml><?xml version="1.0" encoding="utf-8"?>
+<p:properties xmlns:p="http://schemas.microsoft.com/office/2006/metadata/properties" xmlns:xsi="http://www.w3.org/2001/XMLSchema-instance" xmlns:pc="http://schemas.microsoft.com/office/infopath/2007/PartnerControls">
+  <documentManagement/>
+</p:properties>
+</file>
+
+<file path=customXml/item3.xml><?xml version="1.0" encoding="utf-8"?>
+<?mso-contentType ?>
+<FormTemplates xmlns="http://schemas.microsoft.com/sharepoint/v3/contenttype/forms">
+  <Display>DocumentLibraryForm</Display>
+  <Edit>DocumentLibraryForm</Edit>
+  <New>DocumentLibraryForm</New>
+</FormTemplates>
+</file>
+
 <file path=customXml/itemProps1.xml><?xml version="1.0" encoding="utf-8"?>
-<ds:datastoreItem xmlns:ds="http://schemas.openxmlformats.org/officeDocument/2006/customXml" ds:itemID="{22CBCFDE-8814-4D85-8B11-BF18575B4D6C}">
+<ds:datastoreItem xmlns:ds="http://schemas.openxmlformats.org/officeDocument/2006/customXml" ds:itemID="{5A8CBD8A-A3E3-4476-B9EC-9ABD2DED8444}">
   <ds:schemaRefs>
-    <ds:schemaRef ds:uri="http://schemas.microsoft.com/sharepoint/v3/contenttype/forms"/>
+    <ds:schemaRef ds:uri="http://schemas.microsoft.com/office/2006/metadata/contentType"/>
+    <ds:schemaRef ds:uri="http://schemas.microsoft.com/office/2006/metadata/properties/metaAttributes"/>
+    <ds:schemaRef ds:uri="http://www.w3.org/2001/XMLSchema"/>
+    <ds:schemaRef ds:uri="http://schemas.microsoft.com/office/2006/metadata/properties"/>
+    <ds:schemaRef ds:uri="eef61076-61bb-4ba8-9539-3229e0848d9e"/>
+    <ds:schemaRef ds:uri="http://schemas.microsoft.com/office/2006/documentManagement/types"/>
+    <ds:schemaRef ds:uri="http://schemas.microsoft.com/office/infopath/2007/PartnerControls"/>
+    <ds:schemaRef ds:uri="http://schemas.openxmlformats.org/package/2006/metadata/core-properties"/>
+    <ds:schemaRef ds:uri="http://purl.org/dc/elements/1.1/"/>
+    <ds:schemaRef ds:uri="http://purl.org/dc/terms/"/>
+    <ds:schemaRef ds:uri="http://schemas.microsoft.com/internal/obd"/>
   </ds:schemaRefs>
 </ds:datastoreItem>
 </file>
@@ -13233,19 +13232,9 @@
 </file>
 
 <file path=customXml/itemProps3.xml><?xml version="1.0" encoding="utf-8"?>
-<ds:datastoreItem xmlns:ds="http://schemas.openxmlformats.org/officeDocument/2006/customXml" ds:itemID="{5A8CBD8A-A3E3-4476-B9EC-9ABD2DED8444}">
+<ds:datastoreItem xmlns:ds="http://schemas.openxmlformats.org/officeDocument/2006/customXml" ds:itemID="{22CBCFDE-8814-4D85-8B11-BF18575B4D6C}">
   <ds:schemaRefs>
-    <ds:schemaRef ds:uri="http://schemas.microsoft.com/office/2006/metadata/contentType"/>
-    <ds:schemaRef ds:uri="http://schemas.microsoft.com/office/2006/metadata/properties/metaAttributes"/>
-    <ds:schemaRef ds:uri="http://www.w3.org/2001/XMLSchema"/>
-    <ds:schemaRef ds:uri="http://schemas.microsoft.com/office/2006/metadata/properties"/>
-    <ds:schemaRef ds:uri="eef61076-61bb-4ba8-9539-3229e0848d9e"/>
-    <ds:schemaRef ds:uri="http://schemas.microsoft.com/office/2006/documentManagement/types"/>
-    <ds:schemaRef ds:uri="http://schemas.microsoft.com/office/infopath/2007/PartnerControls"/>
-    <ds:schemaRef ds:uri="http://schemas.openxmlformats.org/package/2006/metadata/core-properties"/>
-    <ds:schemaRef ds:uri="http://purl.org/dc/elements/1.1/"/>
-    <ds:schemaRef ds:uri="http://purl.org/dc/terms/"/>
-    <ds:schemaRef ds:uri="http://schemas.microsoft.com/internal/obd"/>
+    <ds:schemaRef ds:uri="http://schemas.microsoft.com/sharepoint/v3/contenttype/forms"/>
   </ds:schemaRefs>
 </ds:datastoreItem>
 </file>